--- a/assets/bedrock-knowledge-base.pptx
+++ b/assets/bedrock-knowledge-base.pptx
@@ -124,6 +124,43 @@
 </p:presentation>
 </file>
 
+<file path=ppt/revisionInfo.xml><?xml version="1.0" encoding="utf-8"?>
+<p1510:revInfo xmlns:a="http://schemas.openxmlformats.org/drawingml/2006/main" xmlns:r="http://schemas.openxmlformats.org/officeDocument/2006/relationships" xmlns:p1510="http://schemas.microsoft.com/office/powerpoint/2015/10/main">
+  <p1510:revLst>
+    <p1510:client id="{7D6C2B64-90D2-4F61-BAA4-280D5F25E8B9}" v="2" dt="2024-05-06T08:13:33.002"/>
+  </p1510:revLst>
+</p1510:revInfo>
+</file>
+
+<file path=ppt/changesInfos/changesInfo1.xml><?xml version="1.0" encoding="utf-8"?>
+<pc:chgInfo xmlns:a="http://schemas.openxmlformats.org/drawingml/2006/main" xmlns:r="http://schemas.openxmlformats.org/officeDocument/2006/relationships" xmlns:ac="http://schemas.microsoft.com/office/drawing/2013/main/command" xmlns:pc="http://schemas.microsoft.com/office/powerpoint/2013/main/command">
+  <pc:docChgLst>
+    <pc:chgData name="Renya Kujirada" userId="e48068c41cbe41b3" providerId="LiveId" clId="{7D6C2B64-90D2-4F61-BAA4-280D5F25E8B9}"/>
+    <pc:docChg chg="modSld">
+      <pc:chgData name="Renya Kujirada" userId="e48068c41cbe41b3" providerId="LiveId" clId="{7D6C2B64-90D2-4F61-BAA4-280D5F25E8B9}" dt="2024-05-06T08:13:37.569" v="20" actId="1076"/>
+      <pc:docMkLst>
+        <pc:docMk/>
+      </pc:docMkLst>
+      <pc:sldChg chg="modSp mod">
+        <pc:chgData name="Renya Kujirada" userId="e48068c41cbe41b3" providerId="LiveId" clId="{7D6C2B64-90D2-4F61-BAA4-280D5F25E8B9}" dt="2024-05-06T08:13:37.569" v="20" actId="1076"/>
+        <pc:sldMkLst>
+          <pc:docMk/>
+          <pc:sldMk cId="1063121498" sldId="257"/>
+        </pc:sldMkLst>
+        <pc:spChg chg="mod">
+          <ac:chgData name="Renya Kujirada" userId="e48068c41cbe41b3" providerId="LiveId" clId="{7D6C2B64-90D2-4F61-BAA4-280D5F25E8B9}" dt="2024-05-06T08:13:37.569" v="20" actId="1076"/>
+          <ac:spMkLst>
+            <pc:docMk/>
+            <pc:sldMk cId="1063121498" sldId="257"/>
+            <ac:spMk id="1055" creationId="{7078DCFD-AF49-8CCF-E012-40F97C7B14D6}"/>
+          </ac:spMkLst>
+        </pc:spChg>
+      </pc:sldChg>
+    </pc:docChg>
+  </pc:docChgLst>
+</pc:chgInfo>
+</file>
+
 <file path=ppt/slideLayouts/slideLayout1.xml><?xml version="1.0" encoding="utf-8"?>
 <p:sldLayout xmlns:a="http://schemas.openxmlformats.org/drawingml/2006/main" xmlns:r="http://schemas.openxmlformats.org/officeDocument/2006/relationships" xmlns:p="http://schemas.openxmlformats.org/presentationml/2006/main" type="title" preserve="1">
   <p:cSld name="タイトル スライド">
@@ -271,7 +308,7 @@
           <a:p>
             <a:fld id="{1C4B3AB8-4358-41C7-958F-814E3D70D72F}" type="datetimeFigureOut">
               <a:rPr kumimoji="1" lang="ja-JP" altLang="en-US" smtClean="0"/>
-              <a:t>2024/5/2</a:t>
+              <a:t>2024/5/6</a:t>
             </a:fld>
             <a:endParaRPr kumimoji="1" lang="ja-JP" altLang="en-US"/>
           </a:p>
@@ -501,7 +538,7 @@
           <a:p>
             <a:fld id="{1C4B3AB8-4358-41C7-958F-814E3D70D72F}" type="datetimeFigureOut">
               <a:rPr kumimoji="1" lang="ja-JP" altLang="en-US" smtClean="0"/>
-              <a:t>2024/5/2</a:t>
+              <a:t>2024/5/6</a:t>
             </a:fld>
             <a:endParaRPr kumimoji="1" lang="ja-JP" altLang="en-US"/>
           </a:p>
@@ -741,7 +778,7 @@
           <a:p>
             <a:fld id="{1C4B3AB8-4358-41C7-958F-814E3D70D72F}" type="datetimeFigureOut">
               <a:rPr kumimoji="1" lang="ja-JP" altLang="en-US" smtClean="0"/>
-              <a:t>2024/5/2</a:t>
+              <a:t>2024/5/6</a:t>
             </a:fld>
             <a:endParaRPr kumimoji="1" lang="ja-JP" altLang="en-US"/>
           </a:p>
@@ -971,7 +1008,7 @@
           <a:p>
             <a:fld id="{1C4B3AB8-4358-41C7-958F-814E3D70D72F}" type="datetimeFigureOut">
               <a:rPr kumimoji="1" lang="ja-JP" altLang="en-US" smtClean="0"/>
-              <a:t>2024/5/2</a:t>
+              <a:t>2024/5/6</a:t>
             </a:fld>
             <a:endParaRPr kumimoji="1" lang="ja-JP" altLang="en-US"/>
           </a:p>
@@ -1246,7 +1283,7 @@
           <a:p>
             <a:fld id="{1C4B3AB8-4358-41C7-958F-814E3D70D72F}" type="datetimeFigureOut">
               <a:rPr kumimoji="1" lang="ja-JP" altLang="en-US" smtClean="0"/>
-              <a:t>2024/5/2</a:t>
+              <a:t>2024/5/6</a:t>
             </a:fld>
             <a:endParaRPr kumimoji="1" lang="ja-JP" altLang="en-US"/>
           </a:p>
@@ -1575,7 +1612,7 @@
           <a:p>
             <a:fld id="{1C4B3AB8-4358-41C7-958F-814E3D70D72F}" type="datetimeFigureOut">
               <a:rPr kumimoji="1" lang="ja-JP" altLang="en-US" smtClean="0"/>
-              <a:t>2024/5/2</a:t>
+              <a:t>2024/5/6</a:t>
             </a:fld>
             <a:endParaRPr kumimoji="1" lang="ja-JP" altLang="en-US"/>
           </a:p>
@@ -2051,7 +2088,7 @@
           <a:p>
             <a:fld id="{1C4B3AB8-4358-41C7-958F-814E3D70D72F}" type="datetimeFigureOut">
               <a:rPr kumimoji="1" lang="ja-JP" altLang="en-US" smtClean="0"/>
-              <a:t>2024/5/2</a:t>
+              <a:t>2024/5/6</a:t>
             </a:fld>
             <a:endParaRPr kumimoji="1" lang="ja-JP" altLang="en-US"/>
           </a:p>
@@ -2192,7 +2229,7 @@
           <a:p>
             <a:fld id="{1C4B3AB8-4358-41C7-958F-814E3D70D72F}" type="datetimeFigureOut">
               <a:rPr kumimoji="1" lang="ja-JP" altLang="en-US" smtClean="0"/>
-              <a:t>2024/5/2</a:t>
+              <a:t>2024/5/6</a:t>
             </a:fld>
             <a:endParaRPr kumimoji="1" lang="ja-JP" altLang="en-US"/>
           </a:p>
@@ -2305,7 +2342,7 @@
           <a:p>
             <a:fld id="{1C4B3AB8-4358-41C7-958F-814E3D70D72F}" type="datetimeFigureOut">
               <a:rPr kumimoji="1" lang="ja-JP" altLang="en-US" smtClean="0"/>
-              <a:t>2024/5/2</a:t>
+              <a:t>2024/5/6</a:t>
             </a:fld>
             <a:endParaRPr kumimoji="1" lang="ja-JP" altLang="en-US"/>
           </a:p>
@@ -2648,7 +2685,7 @@
           <a:p>
             <a:fld id="{1C4B3AB8-4358-41C7-958F-814E3D70D72F}" type="datetimeFigureOut">
               <a:rPr kumimoji="1" lang="ja-JP" altLang="en-US" smtClean="0"/>
-              <a:t>2024/5/2</a:t>
+              <a:t>2024/5/6</a:t>
             </a:fld>
             <a:endParaRPr kumimoji="1" lang="ja-JP" altLang="en-US"/>
           </a:p>
@@ -2936,7 +2973,7 @@
           <a:p>
             <a:fld id="{1C4B3AB8-4358-41C7-958F-814E3D70D72F}" type="datetimeFigureOut">
               <a:rPr kumimoji="1" lang="ja-JP" altLang="en-US" smtClean="0"/>
-              <a:t>2024/5/2</a:t>
+              <a:t>2024/5/6</a:t>
             </a:fld>
             <a:endParaRPr kumimoji="1" lang="ja-JP" altLang="en-US"/>
           </a:p>
@@ -3209,7 +3246,7 @@
           <a:p>
             <a:fld id="{1C4B3AB8-4358-41C7-958F-814E3D70D72F}" type="datetimeFigureOut">
               <a:rPr kumimoji="1" lang="ja-JP" altLang="en-US" smtClean="0"/>
-              <a:t>2024/5/2</a:t>
+              <a:t>2024/5/6</a:t>
             </a:fld>
             <a:endParaRPr kumimoji="1" lang="ja-JP" altLang="en-US"/>
           </a:p>
@@ -5079,8 +5116,8 @@
         </p:nvSpPr>
         <p:spPr>
           <a:xfrm>
-            <a:off x="7499927" y="5626933"/>
-            <a:ext cx="1564994" cy="369332"/>
+            <a:off x="7277955" y="5626933"/>
+            <a:ext cx="2265510" cy="369332"/>
           </a:xfrm>
           <a:prstGeom prst="rect">
             <a:avLst/>
@@ -5094,11 +5131,11 @@
           <a:lstStyle/>
           <a:p>
             <a:r>
-              <a:rPr lang="en-US" altLang="ja-JP" dirty="0">
+              <a:rPr lang="en-US" altLang="ja-JP">
                 <a:latin typeface="Arial" panose="020B0604020202020204" pitchFamily="34" charset="0"/>
                 <a:cs typeface="Arial" panose="020B0604020202020204" pitchFamily="34" charset="0"/>
               </a:rPr>
-              <a:t>Response</a:t>
+              <a:t>Generate Response</a:t>
             </a:r>
             <a:endParaRPr kumimoji="1" lang="ja-JP" altLang="en-US" dirty="0">
               <a:latin typeface="Arial" panose="020B0604020202020204" pitchFamily="34" charset="0"/>
